--- a/FOLDER-ORGANIZAGION.pptx
+++ b/FOLDER-ORGANIZAGION.pptx
@@ -104,6 +104,11 @@
       </a:defRPr>
     </a:lvl9pPr>
   </p:defaultTextStyle>
+  <p:extLst>
+    <p:ext uri="{EFAFB233-063F-42B5-8137-9DF3F51BA10A}">
+      <p15:sldGuideLst xmlns:p15="http://schemas.microsoft.com/office/powerpoint/2012/main"/>
+    </p:ext>
+  </p:extLst>
 </p:presentation>
 </file>
 
@@ -238,7 +243,7 @@
           <a:p>
             <a:fld id="{B504404D-A543-4C8A-B573-8DD40E3105CD}" type="datetimeFigureOut">
               <a:rPr lang="en-SG" smtClean="0"/>
-              <a:t>9/9/2022</a:t>
+              <a:t>14/9/2022</a:t>
             </a:fld>
             <a:endParaRPr lang="en-SG"/>
           </a:p>
@@ -408,7 +413,7 @@
           <a:p>
             <a:fld id="{B504404D-A543-4C8A-B573-8DD40E3105CD}" type="datetimeFigureOut">
               <a:rPr lang="en-SG" smtClean="0"/>
-              <a:t>9/9/2022</a:t>
+              <a:t>14/9/2022</a:t>
             </a:fld>
             <a:endParaRPr lang="en-SG"/>
           </a:p>
@@ -588,7 +593,7 @@
           <a:p>
             <a:fld id="{B504404D-A543-4C8A-B573-8DD40E3105CD}" type="datetimeFigureOut">
               <a:rPr lang="en-SG" smtClean="0"/>
-              <a:t>9/9/2022</a:t>
+              <a:t>14/9/2022</a:t>
             </a:fld>
             <a:endParaRPr lang="en-SG"/>
           </a:p>
@@ -758,7 +763,7 @@
           <a:p>
             <a:fld id="{B504404D-A543-4C8A-B573-8DD40E3105CD}" type="datetimeFigureOut">
               <a:rPr lang="en-SG" smtClean="0"/>
-              <a:t>9/9/2022</a:t>
+              <a:t>14/9/2022</a:t>
             </a:fld>
             <a:endParaRPr lang="en-SG"/>
           </a:p>
@@ -1002,7 +1007,7 @@
           <a:p>
             <a:fld id="{B504404D-A543-4C8A-B573-8DD40E3105CD}" type="datetimeFigureOut">
               <a:rPr lang="en-SG" smtClean="0"/>
-              <a:t>9/9/2022</a:t>
+              <a:t>14/9/2022</a:t>
             </a:fld>
             <a:endParaRPr lang="en-SG"/>
           </a:p>
@@ -1234,7 +1239,7 @@
           <a:p>
             <a:fld id="{B504404D-A543-4C8A-B573-8DD40E3105CD}" type="datetimeFigureOut">
               <a:rPr lang="en-SG" smtClean="0"/>
-              <a:t>9/9/2022</a:t>
+              <a:t>14/9/2022</a:t>
             </a:fld>
             <a:endParaRPr lang="en-SG"/>
           </a:p>
@@ -1601,7 +1606,7 @@
           <a:p>
             <a:fld id="{B504404D-A543-4C8A-B573-8DD40E3105CD}" type="datetimeFigureOut">
               <a:rPr lang="en-SG" smtClean="0"/>
-              <a:t>9/9/2022</a:t>
+              <a:t>14/9/2022</a:t>
             </a:fld>
             <a:endParaRPr lang="en-SG"/>
           </a:p>
@@ -1719,7 +1724,7 @@
           <a:p>
             <a:fld id="{B504404D-A543-4C8A-B573-8DD40E3105CD}" type="datetimeFigureOut">
               <a:rPr lang="en-SG" smtClean="0"/>
-              <a:t>9/9/2022</a:t>
+              <a:t>14/9/2022</a:t>
             </a:fld>
             <a:endParaRPr lang="en-SG"/>
           </a:p>
@@ -1814,7 +1819,7 @@
           <a:p>
             <a:fld id="{B504404D-A543-4C8A-B573-8DD40E3105CD}" type="datetimeFigureOut">
               <a:rPr lang="en-SG" smtClean="0"/>
-              <a:t>9/9/2022</a:t>
+              <a:t>14/9/2022</a:t>
             </a:fld>
             <a:endParaRPr lang="en-SG"/>
           </a:p>
@@ -2091,7 +2096,7 @@
           <a:p>
             <a:fld id="{B504404D-A543-4C8A-B573-8DD40E3105CD}" type="datetimeFigureOut">
               <a:rPr lang="en-SG" smtClean="0"/>
-              <a:t>9/9/2022</a:t>
+              <a:t>14/9/2022</a:t>
             </a:fld>
             <a:endParaRPr lang="en-SG"/>
           </a:p>
@@ -2348,7 +2353,7 @@
           <a:p>
             <a:fld id="{B504404D-A543-4C8A-B573-8DD40E3105CD}" type="datetimeFigureOut">
               <a:rPr lang="en-SG" smtClean="0"/>
-              <a:t>9/9/2022</a:t>
+              <a:t>14/9/2022</a:t>
             </a:fld>
             <a:endParaRPr lang="en-SG"/>
           </a:p>
@@ -2561,7 +2566,7 @@
           <a:p>
             <a:fld id="{B504404D-A543-4C8A-B573-8DD40E3105CD}" type="datetimeFigureOut">
               <a:rPr lang="en-SG" smtClean="0"/>
-              <a:t>9/9/2022</a:t>
+              <a:t>14/9/2022</a:t>
             </a:fld>
             <a:endParaRPr lang="en-SG"/>
           </a:p>
@@ -3006,7 +3011,7 @@
             </a:r>
             <a:r>
               <a:rPr lang="en-US" dirty="0" err="1"/>
-              <a:t>down_sampl</a:t>
+              <a:t>down_samp</a:t>
             </a:r>
             <a:r>
               <a:rPr lang="en-US" dirty="0"/>
@@ -3375,8 +3380,8 @@
         </p:nvCxnSpPr>
         <p:spPr>
           <a:xfrm flipH="1">
-            <a:off x="1398495" y="6219877"/>
-            <a:ext cx="1203037" cy="540198"/>
+            <a:off x="1711105" y="6219877"/>
+            <a:ext cx="890427" cy="643622"/>
           </a:xfrm>
           <a:prstGeom prst="line">
             <a:avLst/>
@@ -3412,9 +3417,9 @@
           <p:nvPr/>
         </p:nvCxnSpPr>
         <p:spPr>
-          <a:xfrm flipH="1">
-            <a:off x="2329228" y="6239453"/>
-            <a:ext cx="272304" cy="624046"/>
+          <a:xfrm>
+            <a:off x="2601532" y="6239453"/>
+            <a:ext cx="153219" cy="624046"/>
           </a:xfrm>
           <a:prstGeom prst="line">
             <a:avLst/>
@@ -3452,7 +3457,7 @@
         <p:spPr>
           <a:xfrm>
             <a:off x="2640051" y="6242715"/>
-            <a:ext cx="387862" cy="548869"/>
+            <a:ext cx="954760" cy="620784"/>
           </a:xfrm>
           <a:prstGeom prst="line">
             <a:avLst/>
